--- a/biorxiv/REGNETAGENTS_CONFERENCE_POSTER.pptx
+++ b/biorxiv/REGNETAGENTS_CONFERENCE_POSTER.pptx
@@ -3140,7 +3140,7 @@
               </a:defRPr>
             </a:pPr>
             <a:r>
-              <a:t>RegNetAgents: Multi-Agent Framework for Gene Regulatory Network Analysis</a:t>
+              <a:t>RegNetAgents: Validated Multi-Agent Framework for Gene Regulatory Network Analysis</a:t>
             </a:r>
           </a:p>
           <a:p>
@@ -3152,7 +3152,7 @@
               </a:defRPr>
             </a:pPr>
             <a:r>
-              <a:t>A LangGraph-Powered AI System for Comprehensive Gene Analysis</a:t>
+              <a:t>A LangGraph-Powered AI System for Comprehensive Gene Analysis with 100% Literature Concordance</a:t>
             </a:r>
           </a:p>
         </p:txBody>
@@ -3284,7 +3284,7 @@
               </a:defRPr>
             </a:pPr>
             <a:r>
-              <a:t>RegNetAgents is an LLM-powered multi-agent AI framework that automates gene regulatory network analysis through intelligent workflow orchestration, transforming multi-hour manual processes into second-scale automated analysis. The system deploys four specialized LLM-powered domain agents (cancer biology, drug discovery, clinical relevance, systems biology) using local language model inference (Ollama/llama3.1:8b) to generate scientific insights with rationales, with graceful fallback to rule-based heuristics for reliability. Built on pre-computed regulatory networks derived from 500K+ single-cell RNA-seq profiles from CellxGene Data Portal (processed via ARACNe algorithm), perturbation analysis ranks therapeutic targets using network centrality metrics (PageRank, out-degree centrality), analyzing all upstream regulators comprehensively and successfully predicting experimentally validated regulators. Validated on colorectal cancer biomarkers with complete perturbation analysis of 99 regulators, all predictions aligned with published literature, demonstrating reliable hypothesis generation for research prioritization. Natural language interface via Claude Desktop makes sophisticated gene analysis accessible without programming.</a:t>
+              <a:t>RegNetAgents is a validated LLM-powered multi-agent AI framework that automates gene regulatory network analysis through intelligent workflow orchestration, transforming multi-hour manual processes into second-scale automated analysis. The system deploys four specialized LLM-powered domain agents (cancer biology, drug discovery, clinical relevance, systems biology) using local language model inference (Ollama/llama3.1:8b) to generate scientific insights with rationales, with graceful fallback to rule-based heuristics for reliability. Built on pre-computed regulatory networks derived from 500K+ single-cell RNA-seq profiles from CellxGene Data Portal (processed via ARACNe algorithm), perturbation analysis ranks therapeutic targets using network centrality metrics (PageRank, out-degree centrality), analyzing all upstream regulators comprehensively and successfully identifying experimentally validated regulators. Framework validation on colorectal cancer biomarkers showed 100% concordance with published literature across five genes and complete perturbation analysis of 99 regulators. Perturbation analysis successfully identified experimentally validated TP53 regulators (WWTR1, YAP1, CHD4 from Hippo pathway) alongside novel testable hypotheses (RBPMS, PRRX2), demonstrating reliable hypothesis generation for experimental prioritization. Natural language interface via Claude Desktop makes sophisticated gene analysis accessible without programming.</a:t>
             </a:r>
             <a:br/>
             <a:br/>

--- a/biorxiv/REGNETAGENTS_CONFERENCE_POSTER.pptx
+++ b/biorxiv/REGNETAGENTS_CONFERENCE_POSTER.pptx
@@ -3284,12 +3284,12 @@
               </a:defRPr>
             </a:pPr>
             <a:r>
-              <a:t>RegNetAgents is a validated LLM-powered multi-agent AI framework that automates gene regulatory network analysis through intelligent workflow orchestration, transforming multi-hour manual processes into second-scale automated analysis. The system deploys four specialized LLM-powered domain agents (cancer biology, drug discovery, clinical relevance, systems biology) using local language model inference (Ollama/llama3.1:8b) to generate scientific insights with rationales, with graceful fallback to rule-based heuristics for reliability. Built on pre-computed regulatory networks derived from 500K+ single-cell RNA-seq profiles from CellxGene Data Portal (processed via ARACNe algorithm), perturbation analysis ranks therapeutic targets using network centrality metrics (PageRank, out-degree centrality), analyzing all upstream regulators comprehensively and successfully identifying experimentally validated regulators. Framework validation on colorectal cancer biomarkers showed 100% concordance with published literature across five genes and complete perturbation analysis of 99 regulators. Perturbation analysis successfully identified experimentally validated TP53 regulators (WWTR1, YAP1, CHD4 from Hippo pathway) alongside novel testable hypotheses (RBPMS, PRRX2), demonstrating reliable hypothesis generation for experimental prioritization. Natural language interface via Claude Desktop makes sophisticated gene analysis accessible without programming.</a:t>
+              <a:t>RegNetAgents is a validated LLM-powered multi-agent AI framework that automates gene regulatory network analysis through intelligent workflow orchestration, transforming labor-intensive manual processes into second-scale automated analysis. The system deploys four specialized LLM-powered domain agents (cancer biology, drug discovery, clinical relevance, systems biology) using local language model inference (Ollama/llama3.1:8b) to generate scientific insights with rationales, with graceful fallback to rule-based heuristics for reliability. Built on pre-computed regulatory networks derived from 500K+ single-cell RNA-seq profiles from CellxGene Data Portal (processed via ARACNe algorithm), perturbation analysis ranks therapeutic targets using network centrality metrics (PageRank, out-degree centrality), analyzing all upstream regulators comprehensively and successfully identifying experimentally validated regulators. Framework validation on colorectal cancer biomarkers showed 100% concordance with published literature across five genes and complete perturbation analysis of 99 regulators. Perturbation analysis successfully identified experimentally validated TP53 regulators (WWTR1, YAP1, CHD4 from Hippo pathway) alongside novel testable hypotheses (RBPMS, PRRX2), demonstrating reliable hypothesis generation for experimental prioritization. Natural language interface via Claude Desktop makes sophisticated gene analysis accessible without programming.</a:t>
             </a:r>
             <a:br/>
             <a:br/>
             <a:r>
-              <a:t>KEY INNOVATION: LLM-Powered Agents with Scientific Rationales • Local Inference (Ollama) • Hours → Seconds (15-62 sec with LLM, &lt;1 sec rule-based) • 4 Parallel Domain Agents • Complete Perturbation Analysis (All Regulators) • Conversational Interface • Graceful Fallback Architecture</a:t>
+              <a:t>KEY INNOVATION: LLM-Powered Agents with Scientific Rationales • Local Inference (Ollama) • Manual → Seconds (15-62 sec with LLM, &lt;1 sec rule-based) • 4 Parallel Domain Agents • Complete Perturbation Analysis (All Regulators) • Conversational Interface • Graceful Fallback Architecture</a:t>
             </a:r>
           </a:p>
         </p:txBody>
@@ -3542,7 +3542,7 @@
               </a:defRPr>
             </a:pPr>
             <a:r>
-              <a:t>Single gene (rule-based): Hours → 0.68 sec</a:t>
+              <a:t>Single gene (rule-based): Manual → 0.68 sec</a:t>
             </a:r>
           </a:p>
           <a:p>
@@ -3557,7 +3557,7 @@
               </a:defRPr>
             </a:pPr>
             <a:r>
-              <a:t>Single gene (LLM-powered): Hours → 15 sec</a:t>
+              <a:t>Single gene (LLM-powered): Manual → 15 sec</a:t>
             </a:r>
           </a:p>
           <a:p>
@@ -3572,7 +3572,7 @@
               </a:defRPr>
             </a:pPr>
             <a:r>
-              <a:t>5 genes (LLM-powered): Hours → 62 sec</a:t>
+              <a:t>5 genes (LLM-powered): Manual → 62 sec</a:t>
             </a:r>
           </a:p>
         </p:txBody>
@@ -3683,7 +3683,7 @@
               </a:defRPr>
             </a:pPr>
             <a:r>
-              <a:t>Manual analysis across multiple domains (cancer, drug, clinical) requires hours of work per gene</a:t>
+              <a:t>Manual analysis across multiple domains (cancer, drug, clinical) requires labor-intensive effort per gene</a:t>
             </a:r>
           </a:p>
           <a:p>

--- a/biorxiv/REGNETAGENTS_CONFERENCE_POSTER.pptx
+++ b/biorxiv/REGNETAGENTS_CONFERENCE_POSTER.pptx
@@ -5802,7 +5802,7 @@
                         </a:defRPr>
                       </a:pPr>
                       <a:r>
-                        <a:t>Terminal Target</a:t>
+                        <a:t>Hub Regulator</a:t>
                       </a:r>
                     </a:p>
                   </a:txBody>
@@ -5922,7 +5922,7 @@
                         </a:defRPr>
                       </a:pPr>
                       <a:r>
-                        <a:t>Terminal Target</a:t>
+                        <a:t>Hub Regulator</a:t>
                       </a:r>
                     </a:p>
                   </a:txBody>
@@ -6314,7 +6314,7 @@
                         </a:defRPr>
                       </a:pPr>
                       <a:r>
-                        <a:t>Target</a:t>
+                        <a:t>Terminal Target</a:t>
                       </a:r>
                     </a:p>
                   </a:txBody>

--- a/biorxiv/REGNETAGENTS_CONFERENCE_POSTER.pptx
+++ b/biorxiv/REGNETAGENTS_CONFERENCE_POSTER.pptx
@@ -6783,7 +6783,7 @@
         <p:spPr>
           <a:xfrm>
             <a:off x="32461200" y="4754880"/>
-            <a:ext cx="10972800" cy="9144000"/>
+            <a:ext cx="10972800" cy="8229600"/>
           </a:xfrm>
           <a:prstGeom prst="rect">
             <a:avLst/>
@@ -6929,13 +6929,73 @@
       </p:sp>
       <p:sp>
         <p:nvSpPr>
-          <p:cNvPr id="46" name="Rectangle 45"/>
+          <p:cNvPr id="46" name="TextBox 45"/>
+          <p:cNvSpPr txBox="1"/>
+          <p:nvPr/>
+        </p:nvSpPr>
+        <p:spPr>
+          <a:xfrm>
+            <a:off x="32461200" y="12344400"/>
+            <a:ext cx="10972800" cy="228600"/>
+          </a:xfrm>
+          <a:prstGeom prst="rect">
+            <a:avLst/>
+          </a:prstGeom>
+          <a:noFill/>
+        </p:spPr>
+        <p:txBody>
+          <a:bodyPr wrap="none">
+            <a:spAutoFit/>
+          </a:bodyPr>
+          <a:lstStyle/>
+          <a:p/>
+          <a:p>
+            <a:pPr algn="ctr">
+              <a:defRPr sz="1400" b="1">
+                <a:solidFill>
+                  <a:srgbClr val="FF8800"/>
+                </a:solidFill>
+              </a:defRPr>
+            </a:pPr>
+            <a:r>
+              <a:t>Figure 4: Framework Performance (480-24,000× speedup)</a:t>
+            </a:r>
+          </a:p>
+        </p:txBody>
+      </p:sp>
+      <p:pic>
+        <p:nvPicPr>
+          <p:cNvPr id="47" name="Picture 46" descr="figure4_framework_value.png"/>
+          <p:cNvPicPr>
+            <a:picLocks noChangeAspect="1"/>
+          </p:cNvPicPr>
+          <p:nvPr/>
+        </p:nvPicPr>
+        <p:blipFill>
+          <a:blip r:embed="rId2"/>
+          <a:stretch>
+            <a:fillRect/>
+          </a:stretch>
+        </p:blipFill>
+        <p:spPr>
+          <a:xfrm>
+            <a:off x="32644080" y="12618720"/>
+            <a:ext cx="10607040" cy="7472082"/>
+          </a:xfrm>
+          <a:prstGeom prst="rect">
+            <a:avLst/>
+          </a:prstGeom>
+        </p:spPr>
+      </p:pic>
+      <p:sp>
+        <p:nvSpPr>
+          <p:cNvPr id="48" name="Rectangle 47"/>
           <p:cNvSpPr/>
           <p:nvPr/>
         </p:nvSpPr>
         <p:spPr>
           <a:xfrm>
-            <a:off x="32461200" y="14630400"/>
+            <a:off x="32461200" y="20227962"/>
             <a:ext cx="10972800" cy="731520"/>
           </a:xfrm>
           <a:prstGeom prst="rect">
@@ -6986,14 +7046,14 @@
       </p:sp>
       <p:sp>
         <p:nvSpPr>
-          <p:cNvPr id="47" name="TextBox 46"/>
+          <p:cNvPr id="49" name="TextBox 48"/>
           <p:cNvSpPr txBox="1"/>
           <p:nvPr/>
         </p:nvSpPr>
         <p:spPr>
           <a:xfrm>
-            <a:off x="32461200" y="15544800"/>
-            <a:ext cx="10972800" cy="5486400"/>
+            <a:off x="32461200" y="21142362"/>
+            <a:ext cx="10972800" cy="2926080"/>
           </a:xfrm>
           <a:prstGeom prst="rect">
             <a:avLst/>
@@ -7007,9 +7067,9 @@
           <a:p>
             <a:pPr>
               <a:spcAft>
-                <a:spcPts val="1200"/>
+                <a:spcPts val="800"/>
               </a:spcAft>
-              <a:defRPr sz="2200">
+              <a:defRPr sz="2000">
                 <a:solidFill>
                   <a:srgbClr val="000000"/>
                 </a:solidFill>
@@ -7040,9 +7100,9 @@
           <a:p>
             <a:pPr>
               <a:spcAft>
-                <a:spcPts val="400"/>
+                <a:spcPts val="200"/>
               </a:spcAft>
-              <a:defRPr sz="2000" b="1">
+              <a:defRPr sz="1800" b="1">
                 <a:solidFill>
                   <a:srgbClr val="003366"/>
                 </a:solidFill>
@@ -7055,9 +7115,9 @@
           <a:p>
             <a:pPr>
               <a:spcAft>
-                <a:spcPts val="400"/>
+                <a:spcPts val="200"/>
               </a:spcAft>
-              <a:defRPr sz="2000" b="1">
+              <a:defRPr sz="1800" b="1">
                 <a:solidFill>
                   <a:srgbClr val="003366"/>
                 </a:solidFill>
@@ -7070,9 +7130,9 @@
           <a:p>
             <a:pPr>
               <a:spcAft>
-                <a:spcPts val="400"/>
+                <a:spcPts val="200"/>
               </a:spcAft>
-              <a:defRPr sz="2000" b="1">
+              <a:defRPr sz="1800" b="1">
                 <a:solidFill>
                   <a:srgbClr val="003366"/>
                 </a:solidFill>
@@ -7085,9 +7145,9 @@
           <a:p>
             <a:pPr>
               <a:spcAft>
-                <a:spcPts val="1200"/>
+                <a:spcPts val="800"/>
               </a:spcAft>
-              <a:defRPr sz="2000" b="1">
+              <a:defRPr sz="1800" b="1">
                 <a:solidFill>
                   <a:srgbClr val="003366"/>
                 </a:solidFill>
@@ -7097,29 +7157,17 @@
               <a:t>• Cell-type specificity supports translational research questions</a:t>
             </a:r>
           </a:p>
-          <a:p>
-            <a:pPr>
-              <a:defRPr sz="1800" i="1">
-                <a:solidFill>
-                  <a:srgbClr val="646464"/>
-                </a:solidFill>
-              </a:defRPr>
-            </a:pPr>
-            <a:r>
-              <a:t>Data Availability: All regulatory network data from publicly accessible sources</a:t>
-            </a:r>
-          </a:p>
-        </p:txBody>
-      </p:sp>
-      <p:sp>
-        <p:nvSpPr>
-          <p:cNvPr id="48" name="Rectangle 47"/>
+        </p:txBody>
+      </p:sp>
+      <p:sp>
+        <p:nvSpPr>
+          <p:cNvPr id="50" name="Rectangle 49"/>
           <p:cNvSpPr/>
           <p:nvPr/>
         </p:nvSpPr>
         <p:spPr>
           <a:xfrm>
-            <a:off x="32461200" y="21031200"/>
+            <a:off x="32461200" y="24799962"/>
             <a:ext cx="10972800" cy="731520"/>
           </a:xfrm>
           <a:prstGeom prst="rect">
@@ -7170,14 +7218,14 @@
       </p:sp>
       <p:sp>
         <p:nvSpPr>
-          <p:cNvPr id="49" name="TextBox 48"/>
+          <p:cNvPr id="51" name="TextBox 50"/>
           <p:cNvSpPr txBox="1"/>
           <p:nvPr/>
         </p:nvSpPr>
         <p:spPr>
           <a:xfrm>
-            <a:off x="32461200" y="21945600"/>
-            <a:ext cx="10972800" cy="3657600"/>
+            <a:off x="32461200" y="25714362"/>
+            <a:ext cx="10972800" cy="2743200"/>
           </a:xfrm>
           <a:prstGeom prst="rect">
             <a:avLst/>
@@ -7299,13 +7347,13 @@
       </p:sp>
       <p:sp>
         <p:nvSpPr>
-          <p:cNvPr id="50" name="Rectangle 49"/>
+          <p:cNvPr id="52" name="Rectangle 51"/>
           <p:cNvSpPr/>
           <p:nvPr/>
         </p:nvSpPr>
         <p:spPr>
           <a:xfrm>
-            <a:off x="32461200" y="25603200"/>
+            <a:off x="32461200" y="28457562"/>
             <a:ext cx="10972800" cy="731520"/>
           </a:xfrm>
           <a:prstGeom prst="rect">
@@ -7356,13 +7404,13 @@
       </p:sp>
       <p:sp>
         <p:nvSpPr>
-          <p:cNvPr id="51" name="TextBox 50"/>
+          <p:cNvPr id="53" name="TextBox 52"/>
           <p:cNvSpPr txBox="1"/>
           <p:nvPr/>
         </p:nvSpPr>
         <p:spPr>
           <a:xfrm>
-            <a:off x="32461200" y="26517600"/>
+            <a:off x="32461200" y="29371962"/>
             <a:ext cx="6858000" cy="3200400"/>
           </a:xfrm>
           <a:prstGeom prst="rect">
@@ -7446,13 +7494,13 @@
       </p:sp>
       <p:sp>
         <p:nvSpPr>
-          <p:cNvPr id="52" name="Rectangle 51"/>
+          <p:cNvPr id="54" name="Rectangle 53"/>
           <p:cNvSpPr/>
           <p:nvPr/>
         </p:nvSpPr>
         <p:spPr>
           <a:xfrm>
-            <a:off x="39776400" y="26517600"/>
+            <a:off x="39776400" y="29371962"/>
             <a:ext cx="3200400" cy="3200400"/>
           </a:xfrm>
           <a:prstGeom prst="rect">
@@ -7511,7 +7559,7 @@
       </p:sp>
       <p:sp>
         <p:nvSpPr>
-          <p:cNvPr id="53" name="TextBox 52"/>
+          <p:cNvPr id="55" name="TextBox 54"/>
           <p:cNvSpPr txBox="1"/>
           <p:nvPr/>
         </p:nvSpPr>

--- a/biorxiv/REGNETAGENTS_CONFERENCE_POSTER.pptx
+++ b/biorxiv/REGNETAGENTS_CONFERENCE_POSTER.pptx
@@ -5149,7 +5149,7 @@
               </a:defRPr>
             </a:pPr>
             <a:r>
-              <a:t>**LLM-generated insights** using local Ollama inference (llama3.1:8b); evaluates cancer biology relevance with scientific rationales; graceful fallback to rule-based heuristics if LLM unavailable → AI-generated oncogenic potential assessment with rationale, tumor suppressor likelihood with explanation, therapeutic target scoring with scientific justification; falls back to network connectivity-based heuristics for reliability</a:t>
+              <a:t>**LLM-generated insights** using local Ollama inference (llama3.1:8b); evaluates cancer biology relevance with scientific rationales; graceful fallback to rule-based heuristics if LLM unavailable → AI-generated oncogenic potential classification with rationale, tumor suppressor likelihood with explanation, therapeutic target classification with scientific justification; falls back to network connectivity-based heuristics for reliability</a:t>
             </a:r>
           </a:p>
           <a:p>
@@ -5176,7 +5176,7 @@
               </a:defRPr>
             </a:pPr>
             <a:r>
-              <a:t>**LLM-generated insights** using local Ollama inference; analyzes therapeutic potential with scientific rationales for druggability assessments and intervention strategies → AI-generated druggability scoring with rationale, intervention strategy recommendations with explanation, development timeline estimates with justification; falls back to connectivity-based rules for reliability</a:t>
+              <a:t>**LLM-generated insights** using local Ollama inference; analyzes therapeutic potential with scientific rationales for druggability assessments and intervention strategies → AI-generated druggability assessment with rationale, intervention strategy recommendations with explanation, development timeline estimates with justification; falls back to connectivity-based rules for reliability</a:t>
             </a:r>
           </a:p>
           <a:p>
@@ -6935,8 +6935,8 @@
         </p:nvSpPr>
         <p:spPr>
           <a:xfrm>
-            <a:off x="32461200" y="12344400"/>
-            <a:ext cx="10972800" cy="228600"/>
+            <a:off x="32461200" y="13075920"/>
+            <a:ext cx="10972800" cy="411480"/>
           </a:xfrm>
           <a:prstGeom prst="rect">
             <a:avLst/>
@@ -6951,7 +6951,7 @@
           <a:p/>
           <a:p>
             <a:pPr algn="ctr">
-              <a:defRPr sz="1400" b="1">
+              <a:defRPr sz="3000" b="1">
                 <a:solidFill>
                   <a:srgbClr val="FF8800"/>
                 </a:solidFill>
@@ -6979,8 +6979,8 @@
         </p:blipFill>
         <p:spPr>
           <a:xfrm>
-            <a:off x="32644080" y="12618720"/>
-            <a:ext cx="10607040" cy="7472082"/>
+            <a:off x="32644080" y="13350240"/>
+            <a:ext cx="10607040" cy="7619030"/>
           </a:xfrm>
           <a:prstGeom prst="rect">
             <a:avLst/>
@@ -6995,7 +6995,7 @@
         </p:nvSpPr>
         <p:spPr>
           <a:xfrm>
-            <a:off x="32461200" y="20227962"/>
+            <a:off x="32461200" y="21106430"/>
             <a:ext cx="10972800" cy="731520"/>
           </a:xfrm>
           <a:prstGeom prst="rect">
@@ -7052,7 +7052,7 @@
         </p:nvSpPr>
         <p:spPr>
           <a:xfrm>
-            <a:off x="32461200" y="21142362"/>
+            <a:off x="32461200" y="22020830"/>
             <a:ext cx="10972800" cy="2926080"/>
           </a:xfrm>
           <a:prstGeom prst="rect">
@@ -7167,7 +7167,7 @@
         </p:nvSpPr>
         <p:spPr>
           <a:xfrm>
-            <a:off x="32461200" y="24799962"/>
+            <a:off x="32461200" y="25678430"/>
             <a:ext cx="10972800" cy="731520"/>
           </a:xfrm>
           <a:prstGeom prst="rect">
@@ -7224,7 +7224,7 @@
         </p:nvSpPr>
         <p:spPr>
           <a:xfrm>
-            <a:off x="32461200" y="25714362"/>
+            <a:off x="32461200" y="26592830"/>
             <a:ext cx="10972800" cy="2743200"/>
           </a:xfrm>
           <a:prstGeom prst="rect">
@@ -7353,7 +7353,7 @@
         </p:nvSpPr>
         <p:spPr>
           <a:xfrm>
-            <a:off x="32461200" y="28457562"/>
+            <a:off x="32461200" y="29336030"/>
             <a:ext cx="10972800" cy="731520"/>
           </a:xfrm>
           <a:prstGeom prst="rect">
@@ -7410,7 +7410,7 @@
         </p:nvSpPr>
         <p:spPr>
           <a:xfrm>
-            <a:off x="32461200" y="29371962"/>
+            <a:off x="32461200" y="30250430"/>
             <a:ext cx="6858000" cy="3200400"/>
           </a:xfrm>
           <a:prstGeom prst="rect">
@@ -7500,7 +7500,7 @@
         </p:nvSpPr>
         <p:spPr>
           <a:xfrm>
-            <a:off x="39776400" y="29371962"/>
+            <a:off x="39776400" y="30250430"/>
             <a:ext cx="3200400" cy="3200400"/>
           </a:xfrm>
           <a:prstGeom prst="rect">

--- a/biorxiv/REGNETAGENTS_CONFERENCE_POSTER.pptx
+++ b/biorxiv/REGNETAGENTS_CONFERENCE_POSTER.pptx
@@ -3284,12 +3284,7 @@
               </a:defRPr>
             </a:pPr>
             <a:r>
-              <a:t>RegNetAgents is a validated LLM-powered multi-agent AI framework that automates gene regulatory network analysis through intelligent workflow orchestration, transforming labor-intensive manual processes into second-scale automated analysis. The system deploys four specialized LLM-powered domain agents (cancer biology, drug discovery, clinical relevance, systems biology) using local language model inference (Ollama/llama3.1:8b) to generate scientific insights with rationales, with graceful fallback to rule-based heuristics for reliability. Built on pre-computed regulatory networks derived from 500K+ single-cell RNA-seq profiles from CellxGene Data Portal (processed via ARACNe algorithm), perturbation analysis ranks therapeutic targets using network centrality metrics (PageRank, out-degree centrality), analyzing all upstream regulators comprehensively and successfully identifying experimentally validated regulators. Framework validation on colorectal cancer biomarkers showed 100% concordance with published literature across five genes and complete perturbation analysis of 99 regulators. Perturbation analysis successfully identified experimentally validated TP53 regulators (WWTR1, YAP1, CHD4 from Hippo pathway) alongside novel testable hypotheses (RBPMS, PRRX2), demonstrating reliable hypothesis generation for experimental prioritization. Natural language interface via Claude Desktop makes sophisticated gene analysis accessible without programming.</a:t>
-            </a:r>
-            <a:br/>
-            <a:br/>
-            <a:r>
-              <a:t>KEY INNOVATION: LLM-Powered Agents with Scientific Rationales • Local Inference (Ollama) • Manual → Seconds (15-62 sec with LLM, &lt;1 sec rule-based) • 4 Parallel Domain Agents • Complete Perturbation Analysis (All Regulators) • Conversational Interface • Graceful Fallback Architecture</a:t>
+              <a:t>RegNetAgents is an LLM-powered multi-agent AI framework that automates gene regulatory network analysis through intelligent workflow orchestration, transforming labor-intensive manual processes into second-scale automated analysis. The system deploys four specialized LLM-powered domain agents (cancer biology, drug discovery, clinical relevance, systems biology) using local language model inference (Ollama/llama3.1:8b) to generate scientific insights with rationales, with graceful fallback to rule-based heuristics for reliability. Built on pre-computed regulatory networks from 500K+ single-cell RNA-seq profiles (ARACNe algorithm via GREmLIN team, CELLxGENE Data Portal), the framework integrates network modeling, automated perturbation analysis using network centrality metrics (PageRank, out-degree centrality), pathway enrichment with statistical validation (Reactome, FDR &lt; 0.05), and multi-domain interpretation into a conversational interface via Model Context Protocol and Claude Desktop. Framework validation on colorectal cancer biomarkers demonstrated 100% concordance with published literature across five genes. Perturbation analysis successfully identified experimentally validated TP53 regulators (WWTR1, YAP1, CHD4 from Hippo pathway) alongside novel testable hypotheses (RBPMS, PRRX2), demonstrating reliable hypothesis generation for experimental prioritization. Complete analysis of 99 regulators across 5 genes completed in 15-62 seconds depending on mode, representing 480-24,000× speedup over traditional manual approaches that typically require 2-4 hours per gene. Natural language interface makes sophisticated gene analysis accessible without programming expertise.</a:t>
             </a:r>
           </a:p>
         </p:txBody>
@@ -7500,8 +7495,8 @@
         </p:nvSpPr>
         <p:spPr>
           <a:xfrm>
-            <a:off x="39776400" y="30250430"/>
-            <a:ext cx="3200400" cy="3200400"/>
+            <a:off x="39319200" y="30250430"/>
+            <a:ext cx="2514600" cy="2514600"/>
           </a:xfrm>
           <a:prstGeom prst="rect">
             <a:avLst/>

--- a/biorxiv/REGNETAGENTS_CONFERENCE_POSTER.pptx
+++ b/biorxiv/REGNETAGENTS_CONFERENCE_POSTER.pptx
@@ -3284,7 +3284,7 @@
               </a:defRPr>
             </a:pPr>
             <a:r>
-              <a:t>RegNetAgents is an LLM-powered multi-agent AI framework that automates gene regulatory network analysis through intelligent workflow orchestration, transforming labor-intensive manual processes into second-scale automated analysis. The system deploys four specialized LLM-powered domain agents (cancer biology, drug discovery, clinical relevance, systems biology) using local language model inference (Ollama/llama3.1:8b) to generate scientific insights with rationales, with graceful fallback to rule-based heuristics for reliability. Built on pre-computed regulatory networks from 500K+ single-cell RNA-seq profiles (ARACNe algorithm via GREmLIN team, CELLxGENE Data Portal), the framework integrates network modeling, automated perturbation analysis using network centrality metrics (PageRank, out-degree centrality), pathway enrichment with statistical validation (Reactome, FDR &lt; 0.05), and multi-domain interpretation into a conversational interface via Model Context Protocol and Claude Desktop. Framework validation on colorectal cancer biomarkers demonstrated 100% concordance with published literature across five genes. Perturbation analysis successfully identified experimentally validated TP53 regulators (WWTR1, YAP1, CHD4 from Hippo pathway) alongside novel testable hypotheses (RBPMS, PRRX2), demonstrating reliable hypothesis generation for experimental prioritization. Complete analysis of 99 regulators across 5 genes completed in 15-62 seconds depending on mode, representing 480-24,000× speedup over traditional manual approaches that typically require 2-4 hours per gene. Natural language interface makes sophisticated gene analysis accessible without programming expertise.</a:t>
+              <a:t>RegNetAgents is an LLM-powered multi-agent AI framework that automates gene regulatory network analysis through intelligent workflow orchestration, transforming labor-intensive manual processes into second-scale automated analysis. The system deploys four specialized LLM-powered domain agents (cancer biology, drug discovery, clinical relevance, systems biology) using local language model inference (Ollama/llama3.1:8b) to generate scientific insights with rationales, with graceful fallback to rule-based heuristics for reliability. Built on pre-computed regulatory networks from 500K+ single-cell RNA-seq profiles (ARACNe algorithm via GREmLIN team, CELLxGENE Data Portal), the framework integrates network modeling, automated perturbation analysis using network centrality metrics (PageRank, out-degree centrality), pathway enrichment with statistical validation (Reactome, FDR &lt; 0.05), and multi-domain interpretation into a conversational interface via Model Context Protocol and Claude Desktop. Framework validation on colorectal cancer biomarkers demonstrated 100% concordance with published literature across five genes. Perturbation analysis correctly ranked experimentally validated TP53 regulators (WWTR1, YAP1, CHD4) among the top candidates, demonstrating concordance with published literature. Additional high-ranking regulators (RBPMS, PRRX2, THRA, IKZF2) represent novel hypotheses prioritized for experimental validation. Complete analysis of 99 regulators across 5 genes completed in 15-62 seconds depending on mode, representing orders of magnitude speedup over traditional manual approaches that typically require 2-4 hours per gene. Natural language interface makes sophisticated gene analysis accessible without programming expertise.</a:t>
             </a:r>
           </a:p>
         </p:txBody>
@@ -6953,7 +6953,7 @@
               </a:defRPr>
             </a:pPr>
             <a:r>
-              <a:t>Figure 4: Framework Performance (480-24,000× speedup)</a:t>
+              <a:t>Figure 4: Framework Performance (orders of magnitude speedup)</a:t>
             </a:r>
           </a:p>
         </p:txBody>

--- a/biorxiv/REGNETAGENTS_CONFERENCE_POSTER.pptx
+++ b/biorxiv/REGNETAGENTS_CONFERENCE_POSTER.pptx
@@ -3284,7 +3284,7 @@
               </a:defRPr>
             </a:pPr>
             <a:r>
-              <a:t>RegNetAgents is an LLM-powered multi-agent AI framework that automates gene regulatory network analysis through intelligent workflow orchestration, transforming labor-intensive manual processes into second-scale automated analysis. The system deploys four specialized LLM-powered domain agents (cancer biology, drug discovery, clinical relevance, systems biology) using local language model inference (Ollama/llama3.1:8b) to generate scientific insights with rationales, with graceful fallback to rule-based heuristics for reliability. Built on pre-computed regulatory networks from 500K+ single-cell RNA-seq profiles (ARACNe algorithm via GREmLIN team, CELLxGENE Data Portal), the framework integrates network modeling, automated perturbation analysis using network centrality metrics (PageRank, out-degree centrality), pathway enrichment with statistical validation (Reactome, FDR &lt; 0.05), and multi-domain interpretation into a conversational interface via Model Context Protocol and Claude Desktop. Framework validation on colorectal cancer biomarkers demonstrated 100% concordance with published literature across five genes. Perturbation analysis correctly ranked experimentally validated TP53 regulators (WWTR1, YAP1, CHD4) among the top candidates, demonstrating concordance with published literature. Additional high-ranking regulators (RBPMS, PRRX2, THRA, IKZF2) represent novel hypotheses prioritized for experimental validation. Complete analysis of 99 regulators across 5 genes completed in 15-62 seconds depending on mode, representing orders of magnitude speedup over traditional manual approaches that typically require 2-4 hours per gene. Natural language interface makes sophisticated gene analysis accessible without programming expertise.</a:t>
+              <a:t>RegNetAgents is an LLM-powered multi-agent AI framework that automates gene regulatory network analysis through intelligent workflow orchestration, transforming labor-intensive manual processes into second-scale automated analysis. The system deploys four specialized domain agents (cancer biology, drug discovery, clinical relevance, systems biology) using local language model inference to generate scientific insights with rationales, with graceful fallback to rule-based heuristics for reliability. Built on pre-computed regulatory networks from 500K+ single-cell RNA-seq profiles, the framework integrates network modeling, automated perturbation analysis using network centrality metrics (PageRank, degree centrality), pathway enrichment, and multi-domain interpretation into a conversational interface via Claude Desktop. Framework validation on colorectal cancer biomarkers demonstrated 100% concordance with published literature across five genes. Perturbation analysis correctly ranked experimentally validated TP53 regulators (WWTR1, YAP1, CHD4) among top candidates; additional high-ranking regulators (RBPMS, PRRX2, THRA, IKZF2) represent novel hypotheses for experimental validation. Complete analysis of 99 regulators across 5 genes completed in 15-62 seconds, representing orders of magnitude speedup over traditional manual approaches. Natural language interface makes sophisticated gene analysis accessible without programming expertise.</a:t>
             </a:r>
           </a:p>
         </p:txBody>

--- a/biorxiv/REGNETAGENTS_CONFERENCE_POSTER.pptx
+++ b/biorxiv/REGNETAGENTS_CONFERENCE_POSTER.pptx
@@ -6053,7 +6053,7 @@
                         </a:defRPr>
                       </a:pPr>
                       <a:r>
-                        <a:t>Terminal Target</a:t>
+                        <a:t>Heavily Regulated</a:t>
                       </a:r>
                     </a:p>
                   </a:txBody>
@@ -6309,7 +6309,7 @@
                         </a:defRPr>
                       </a:pPr>
                       <a:r>
-                        <a:t>Terminal Target</a:t>
+                        <a:t>Heavily Regulated</a:t>
                       </a:r>
                     </a:p>
                   </a:txBody>

--- a/biorxiv/REGNETAGENTS_CONFERENCE_POSTER.pptx
+++ b/biorxiv/REGNETAGENTS_CONFERENCE_POSTER.pptx
@@ -3140,7 +3140,7 @@
               </a:defRPr>
             </a:pPr>
             <a:r>
-              <a:t>RegNetAgents: Validated Multi-Agent Framework for Gene Regulatory Network Analysis</a:t>
+              <a:t>RegNetAgents: Multi-Agent Framework for Gene Regulatory Network Analysis</a:t>
             </a:r>
           </a:p>
           <a:p>
@@ -3152,7 +3152,7 @@
               </a:defRPr>
             </a:pPr>
             <a:r>
-              <a:t>A LangGraph-Powered AI System for Comprehensive Gene Analysis with 100% Literature Concordance</a:t>
+              <a:t>A LangGraph-Powered AI System for Comprehensive Gene Analysis Validated on Colorectal Cancer Biomarkers</a:t>
             </a:r>
           </a:p>
         </p:txBody>
@@ -3284,7 +3284,7 @@
               </a:defRPr>
             </a:pPr>
             <a:r>
-              <a:t>RegNetAgents is an LLM-powered multi-agent AI framework that automates gene regulatory network analysis through intelligent workflow orchestration, transforming labor-intensive manual processes into second-scale automated analysis. The system deploys four specialized domain agents (cancer biology, drug discovery, clinical relevance, systems biology) using local language model inference to generate scientific insights with rationales, with graceful fallback to rule-based heuristics for reliability. Built on pre-computed regulatory networks from 500K+ single-cell RNA-seq profiles, the framework integrates network modeling, automated perturbation analysis using network centrality metrics (PageRank, degree centrality), pathway enrichment, and multi-domain interpretation into a conversational interface via Claude Desktop. Framework validation on colorectal cancer biomarkers demonstrated 100% concordance with published literature across five genes. Perturbation analysis correctly ranked experimentally validated TP53 regulators (WWTR1, YAP1, CHD4) among top candidates; additional high-ranking regulators (RBPMS, PRRX2, THRA, IKZF2) represent novel hypotheses for experimental validation. Complete analysis of 99 regulators across 5 genes completed in 15-62 seconds, representing orders of magnitude speedup over traditional manual approaches. Natural language interface makes sophisticated gene analysis accessible without programming expertise.</a:t>
+              <a:t>RegNetAgents is an LLM-powered multi-agent AI framework that automates gene regulatory network analysis through intelligent workflow orchestration, transforming labor-intensive manual processes into second-scale automated analysis. The system deploys four specialized domain agents (cancer biology, drug discovery, clinical relevance, systems biology) using local language model inference to generate scientific insights with rationales, with graceful fallback to rule-based heuristics for reliability. Built on pre-computed regulatory networks from 500K+ single-cell RNA-seq profiles, the framework integrates network modeling, automated perturbation analysis using network centrality metrics (PageRank, degree centrality), pathway enrichment, and multi-domain interpretation into a conversational interface via Claude Desktop. Framework demonstration on colorectal cancer biomarkers showed complete concordance with published literature across a limited five-gene sample. Perturbation analysis identified literature-supported TP53 interactors (WWTR1, YAP1, CHD4) among top-ranked candidates based on network topology; additional high-ranking regulators (RBPMS, PRRX2, THRA, IKZF2) represent novel hypotheses for experimental validation. Complete analysis of 99 regulators across 5 genes completed in 15-62 seconds, representing orders of magnitude speedup over traditional manual approaches. Natural language interface makes sophisticated gene analysis accessible without programming expertise.</a:t>
             </a:r>
           </a:p>
         </p:txBody>
@@ -3473,7 +3473,7 @@
               </a:defRPr>
             </a:pPr>
             <a:r>
-              <a:t>Perturbation Analysis: Simulate regulator inhibition to prioritize candidate regulators for validation</a:t>
+              <a:t>Perturbation Analysis: Rank regulators by network centrality to prioritize candidate regulators for validation</a:t>
             </a:r>
           </a:p>
           <a:p>
@@ -5282,7 +5282,7 @@
               </a:defRPr>
             </a:pPr>
             <a:r>
-              <a:t>⚡ 0.60-62 sec Analysis • 100% Literature-Validated ✓</a:t>
+              <a:t>⚡ 0.60-62 sec Analysis • Demonstrated on CRC Biomarkers ✓</a:t>
             </a:r>
           </a:p>
         </p:txBody>
@@ -6631,7 +6631,7 @@
               </a:defRPr>
             </a:pPr>
             <a:r>
-              <a:t>Top Target (PageRank): WWTR1 (0.473) ✓ Validated Hippo pathway regulator</a:t>
+              <a:t>Top Target (PageRank): WWTR1 (0.473) ✓ Literature-supported Hippo pathway regulator</a:t>
             </a:r>
           </a:p>
           <a:p>
@@ -6661,7 +6661,7 @@
               </a:defRPr>
             </a:pPr>
             <a:r>
-              <a:t>Validated: YAP1, CHD4 (Hippo pathway) confirmed in literature</a:t>
+              <a:t>Literature-supported: YAP1, CHD4 (Hippo pathway) have documented interactions</a:t>
             </a:r>
           </a:p>
           <a:p>
@@ -6707,7 +6707,7 @@
               </a:defRPr>
             </a:pPr>
             <a:r>
-              <a:t>Demonstrates: Automated therapeutic target prioritization using PageRank (best predictor of drug target success per Mora &amp; Donaldson 2021) identifies both validated regulators and novel hypotheses for experimental follow-up.</a:t>
+              <a:t>Demonstrates: Automated therapeutic target prioritization using PageRank (best predictor of drug target success per Mora &amp; Donaldson 2021) identifies both literature-supported regulators and novel hypotheses for experimental follow-up.</a:t>
             </a:r>
           </a:p>
         </p:txBody>

--- a/biorxiv/REGNETAGENTS_CONFERENCE_POSTER.pptx
+++ b/biorxiv/REGNETAGENTS_CONFERENCE_POSTER.pptx
@@ -5090,7 +5090,7 @@
               </a:defRPr>
             </a:pPr>
             <a:r>
-              <a:t>Analyzes gene regulatory networks to identify upstream regulators and downstream targets; determines regulatory role (hub/intermediate/terminal); performs cross-cell-type comparison; simulates inhibiting each upstream regulator to identify therapeutic targets using network centrality metrics (PageRank, out-degree centrality) → Gene position in regulatory hierarchy, regulatory strength, cell-type specificity; perturbation analysis with centrality-based rankings (PageRank primary, out-degree secondary), cascade effects, network connectivity assessment</a:t>
+              <a:t>Analyzes gene regulatory networks to identify upstream regulators and downstream targets; determines regulatory role (hub/intermediate/terminal); performs cross-cell-type comparison; ranks upstream regulators to identify therapeutic targets using network centrality metrics (PageRank, out-degree centrality) → Gene position in regulatory hierarchy, regulatory strength, cell-type specificity; perturbation analysis with centrality-based rankings (PageRank primary, out-degree secondary), cascade effects, network connectivity assessment</a:t>
             </a:r>
           </a:p>
           <a:p>

--- a/biorxiv/REGNETAGENTS_CONFERENCE_POSTER.pptx
+++ b/biorxiv/REGNETAGENTS_CONFERENCE_POSTER.pptx
@@ -3284,7 +3284,7 @@
               </a:defRPr>
             </a:pPr>
             <a:r>
-              <a:t>RegNetAgents is an LLM-powered multi-agent AI framework that automates gene regulatory network analysis through intelligent workflow orchestration, transforming labor-intensive manual processes into second-scale automated analysis. The system deploys four specialized domain agents (cancer biology, drug discovery, clinical relevance, systems biology) using local language model inference to generate scientific insights with rationales, with graceful fallback to rule-based heuristics for reliability. Built on pre-computed regulatory networks from 500K+ single-cell RNA-seq profiles, the framework integrates network modeling, automated perturbation analysis using network centrality metrics (PageRank, degree centrality), pathway enrichment, and multi-domain interpretation into a conversational interface via Claude Desktop. Framework demonstration on colorectal cancer biomarkers showed complete concordance with published literature across a limited five-gene sample. Perturbation analysis identified literature-supported TP53 interactors (WWTR1, YAP1, CHD4) among top-ranked candidates based on network topology; additional high-ranking regulators (RBPMS, PRRX2, THRA, IKZF2) represent novel hypotheses for experimental validation. Complete analysis of 99 regulators across 5 genes completed in 15-62 seconds, representing orders of magnitude speedup over traditional manual approaches. Natural language interface makes sophisticated gene analysis accessible without programming expertise.</a:t>
+              <a:t>RegNetAgents is an LLM-powered multi-agent AI framework that automates gene regulatory network analysis through intelligent workflow orchestration, transforming labor-intensive manual processes into second-scale automated analysis. The system deploys four specialized domain agents (cancer biology, drug discovery, clinical relevance, systems biology) using local language model inference to generate scientific insights with rationales, with graceful fallback to rule-based heuristics for reliability. Built on pre-computed regulatory networks from 500K+ single-cell RNA-seq profiles, the framework integrates network modeling, automated therapeutic target prioritization using network centrality metrics (PageRank, degree centrality), pathway enrichment, and multi-domain interpretation into a conversational interface via Claude Desktop. Framework demonstration on colorectal cancer biomarkers showed complete concordance with published literature across a limited five-gene sample. Perturbation analysis identified literature-supported TP53 interactors (WWTR1, YAP1, CHD4) among top-ranked candidates based on network topology; additional high-ranking regulators (RBPMS, PRRX2, THRA, IKZF2) represent novel hypotheses for experimental validation. Complete analysis of 99 regulators across 5 genes completed in 15-62 seconds, representing orders of magnitude speedup over traditional manual approaches. Natural language interface makes sophisticated gene analysis accessible without programming expertise.</a:t>
             </a:r>
           </a:p>
         </p:txBody>
@@ -3473,7 +3473,7 @@
               </a:defRPr>
             </a:pPr>
             <a:r>
-              <a:t>Perturbation Analysis: Rank regulators by network centrality to prioritize candidate regulators for validation</a:t>
+              <a:t>Therapeutic Target Prioritization: Rank regulators by network centrality to prioritize candidate regulators for validation</a:t>
             </a:r>
           </a:p>
           <a:p>
@@ -5090,7 +5090,7 @@
               </a:defRPr>
             </a:pPr>
             <a:r>
-              <a:t>Analyzes gene regulatory networks to identify upstream regulators and downstream targets; determines regulatory role (hub/intermediate/terminal); performs cross-cell-type comparison; ranks upstream regulators to identify therapeutic targets using network centrality metrics (PageRank, out-degree centrality) → Gene position in regulatory hierarchy, regulatory strength, cell-type specificity; perturbation analysis with centrality-based rankings (PageRank primary, out-degree secondary), cascade effects, network connectivity assessment</a:t>
+              <a:t>Analyzes gene regulatory networks to identify upstream regulators and downstream targets; determines regulatory role (hub/intermediate/terminal); performs cross-cell-type comparison; ranks upstream regulators to identify therapeutic targets using network centrality metrics (PageRank, out-degree centrality) → Gene position in regulatory hierarchy, regulatory strength, cell-type specificity; therapeutic target prioritization with centrality-based rankings (PageRank primary, out-degree secondary), cascade effects, network connectivity assessment</a:t>
             </a:r>
           </a:p>
           <a:p>

--- a/biorxiv/REGNETAGENTS_CONFERENCE_POSTER.pptx
+++ b/biorxiv/REGNETAGENTS_CONFERENCE_POSTER.pptx
@@ -5225,7 +5225,7 @@
               </a:defRPr>
             </a:pPr>
             <a:r>
-              <a:t>**LLM-generated insights** using local Ollama inference; quantifies network topology with scientific rationales for centrality interpretations → AI-generated network centrality interpretations with rationale, hub analysis with explanation, perturbation impact predictions with scientific justification; falls back to PageRank/degree centrality calculations for reliability</a:t>
+              <a:t>**LLM-generated insights** using local Ollama inference; quantifies network topology with scientific rationales for centrality interpretations → AI-generated network centrality interpretations with rationale, hub analysis with explanation, impact scope estimates with scientific justification; falls back to PageRank/degree centrality calculations for reliability</a:t>
             </a:r>
           </a:p>
         </p:txBody>
